--- a/преза на 12-4-24.pptx
+++ b/преза на 12-4-24.pptx
@@ -7958,13 +7958,6 @@
               </a:rPr>
               <a:t>begin</a:t>
             </a:r>
-            <a:r>
-              <a:rPr lang="en-US" sz="2400" dirty="0" smtClean="0">
-                <a:latin typeface="Times New Roman" panose="02020603050405020304" pitchFamily="18" charset="0"/>
-                <a:cs typeface="Times New Roman" panose="02020603050405020304" pitchFamily="18" charset="0"/>
-              </a:rPr>
-              <a:t/>
-            </a:r>
             <a:br>
               <a:rPr lang="en-US" sz="2400" dirty="0" smtClean="0">
                 <a:latin typeface="Times New Roman" panose="02020603050405020304" pitchFamily="18" charset="0"/>
@@ -8728,25 +8721,8 @@
                 <a:latin typeface="Times New Roman" panose="02020603050405020304" pitchFamily="18" charset="0"/>
                 <a:cs typeface="Times New Roman" panose="02020603050405020304" pitchFamily="18" charset="0"/>
               </a:rPr>
-              <a:t>Напишите алгоритм для выполнения задачи «Заварить чай</a:t>
-            </a:r>
-            <a:r>
-              <a:rPr lang="ru-RU" sz="3200" dirty="0" smtClean="0">
-                <a:solidFill>
-                  <a:srgbClr val="7030A0"/>
-                </a:solidFill>
-                <a:latin typeface="Times New Roman" panose="02020603050405020304" pitchFamily="18" charset="0"/>
-                <a:cs typeface="Times New Roman" panose="02020603050405020304" pitchFamily="18" charset="0"/>
-              </a:rPr>
-              <a:t>» (описанием пошаговых действий)</a:t>
-            </a:r>
-            <a:endParaRPr lang="ru-RU" sz="3200" dirty="0" smtClean="0">
-              <a:solidFill>
-                <a:srgbClr val="7030A0"/>
-              </a:solidFill>
-              <a:latin typeface="Times New Roman" panose="02020603050405020304" pitchFamily="18" charset="0"/>
-              <a:cs typeface="Times New Roman" panose="02020603050405020304" pitchFamily="18" charset="0"/>
-            </a:endParaRPr>
+              <a:t>Напишите алгоритм для выполнения задачи «Заварить чай» (описанием пошаговых действий)</a:t>
+            </a:r>
           </a:p>
           <a:p>
             <a:pPr algn="just"/>
@@ -12214,10 +12190,6 @@
               </a:rPr>
               <a:t>.</a:t>
             </a:r>
-            <a:endParaRPr lang="ru-RU" sz="3200" dirty="0" smtClean="0">
-              <a:latin typeface="Times New Roman" panose="02020603050405020304" pitchFamily="18" charset="0"/>
-              <a:cs typeface="Times New Roman" panose="02020603050405020304" pitchFamily="18" charset="0"/>
-            </a:endParaRPr>
           </a:p>
         </p:txBody>
       </p:sp>
@@ -13035,14 +13007,7 @@
                 <a:latin typeface="Times New Roman" panose="02020603050405020304" pitchFamily="18" charset="0"/>
                 <a:cs typeface="Times New Roman" panose="02020603050405020304" pitchFamily="18" charset="0"/>
               </a:rPr>
-              <a:t> </a:t>
-            </a:r>
-            <a:r>
-              <a:rPr lang="ru-RU" sz="2800" dirty="0" smtClean="0">
-                <a:latin typeface="Times New Roman" panose="02020603050405020304" pitchFamily="18" charset="0"/>
-                <a:cs typeface="Times New Roman" panose="02020603050405020304" pitchFamily="18" charset="0"/>
-              </a:rPr>
-              <a:t>задачи </a:t>
+              <a:t> задачи </a:t>
             </a:r>
             <a:r>
               <a:rPr lang="ru-RU" sz="2800" dirty="0">

--- a/преза на 12-4-24.pptx
+++ b/преза на 12-4-24.pptx
@@ -225,7 +225,7 @@
           <a:p>
             <a:fld id="{B3AEB1E2-19D0-48EB-904F-5EA72FA540C5}" type="datetimeFigureOut">
               <a:rPr lang="ru-RU" smtClean="0"/>
-              <a:t>04.12.2024</a:t>
+              <a:t>07.12.2024</a:t>
             </a:fld>
             <a:endParaRPr lang="ru-RU"/>
           </a:p>
@@ -1879,7 +1879,7 @@
           <a:p>
             <a:fld id="{58BDD495-BFEB-441C-B0E2-F2D33641D0BA}" type="datetimeFigureOut">
               <a:rPr lang="ru-RU" smtClean="0"/>
-              <a:t>04.12.2024</a:t>
+              <a:t>07.12.2024</a:t>
             </a:fld>
             <a:endParaRPr lang="ru-RU"/>
           </a:p>
@@ -2049,7 +2049,7 @@
           <a:p>
             <a:fld id="{58BDD495-BFEB-441C-B0E2-F2D33641D0BA}" type="datetimeFigureOut">
               <a:rPr lang="ru-RU" smtClean="0"/>
-              <a:t>04.12.2024</a:t>
+              <a:t>07.12.2024</a:t>
             </a:fld>
             <a:endParaRPr lang="ru-RU"/>
           </a:p>
@@ -2229,7 +2229,7 @@
           <a:p>
             <a:fld id="{58BDD495-BFEB-441C-B0E2-F2D33641D0BA}" type="datetimeFigureOut">
               <a:rPr lang="ru-RU" smtClean="0"/>
-              <a:t>04.12.2024</a:t>
+              <a:t>07.12.2024</a:t>
             </a:fld>
             <a:endParaRPr lang="ru-RU"/>
           </a:p>
@@ -2399,7 +2399,7 @@
           <a:p>
             <a:fld id="{58BDD495-BFEB-441C-B0E2-F2D33641D0BA}" type="datetimeFigureOut">
               <a:rPr lang="ru-RU" smtClean="0"/>
-              <a:t>04.12.2024</a:t>
+              <a:t>07.12.2024</a:t>
             </a:fld>
             <a:endParaRPr lang="ru-RU"/>
           </a:p>
@@ -2645,7 +2645,7 @@
           <a:p>
             <a:fld id="{58BDD495-BFEB-441C-B0E2-F2D33641D0BA}" type="datetimeFigureOut">
               <a:rPr lang="ru-RU" smtClean="0"/>
-              <a:t>04.12.2024</a:t>
+              <a:t>07.12.2024</a:t>
             </a:fld>
             <a:endParaRPr lang="ru-RU"/>
           </a:p>
@@ -2877,7 +2877,7 @@
           <a:p>
             <a:fld id="{58BDD495-BFEB-441C-B0E2-F2D33641D0BA}" type="datetimeFigureOut">
               <a:rPr lang="ru-RU" smtClean="0"/>
-              <a:t>04.12.2024</a:t>
+              <a:t>07.12.2024</a:t>
             </a:fld>
             <a:endParaRPr lang="ru-RU"/>
           </a:p>
@@ -3244,7 +3244,7 @@
           <a:p>
             <a:fld id="{58BDD495-BFEB-441C-B0E2-F2D33641D0BA}" type="datetimeFigureOut">
               <a:rPr lang="ru-RU" smtClean="0"/>
-              <a:t>04.12.2024</a:t>
+              <a:t>07.12.2024</a:t>
             </a:fld>
             <a:endParaRPr lang="ru-RU"/>
           </a:p>
@@ -3362,7 +3362,7 @@
           <a:p>
             <a:fld id="{58BDD495-BFEB-441C-B0E2-F2D33641D0BA}" type="datetimeFigureOut">
               <a:rPr lang="ru-RU" smtClean="0"/>
-              <a:t>04.12.2024</a:t>
+              <a:t>07.12.2024</a:t>
             </a:fld>
             <a:endParaRPr lang="ru-RU"/>
           </a:p>
@@ -3457,7 +3457,7 @@
           <a:p>
             <a:fld id="{58BDD495-BFEB-441C-B0E2-F2D33641D0BA}" type="datetimeFigureOut">
               <a:rPr lang="ru-RU" smtClean="0"/>
-              <a:t>04.12.2024</a:t>
+              <a:t>07.12.2024</a:t>
             </a:fld>
             <a:endParaRPr lang="ru-RU"/>
           </a:p>
@@ -3734,7 +3734,7 @@
           <a:p>
             <a:fld id="{58BDD495-BFEB-441C-B0E2-F2D33641D0BA}" type="datetimeFigureOut">
               <a:rPr lang="ru-RU" smtClean="0"/>
-              <a:t>04.12.2024</a:t>
+              <a:t>07.12.2024</a:t>
             </a:fld>
             <a:endParaRPr lang="ru-RU"/>
           </a:p>
@@ -3987,7 +3987,7 @@
           <a:p>
             <a:fld id="{58BDD495-BFEB-441C-B0E2-F2D33641D0BA}" type="datetimeFigureOut">
               <a:rPr lang="ru-RU" smtClean="0"/>
-              <a:t>04.12.2024</a:t>
+              <a:t>07.12.2024</a:t>
             </a:fld>
             <a:endParaRPr lang="ru-RU"/>
           </a:p>
@@ -4200,7 +4200,7 @@
           <a:p>
             <a:fld id="{58BDD495-BFEB-441C-B0E2-F2D33641D0BA}" type="datetimeFigureOut">
               <a:rPr lang="ru-RU" smtClean="0"/>
-              <a:t>04.12.2024</a:t>
+              <a:t>07.12.2024</a:t>
             </a:fld>
             <a:endParaRPr lang="ru-RU"/>
           </a:p>
